--- a/Slide Information.pptx
+++ b/Slide Information.pptx
@@ -9,7 +9,9 @@
     <p:sldId id="257" r:id="rId3"/>
     <p:sldId id="258" r:id="rId4"/>
     <p:sldId id="260" r:id="rId5"/>
-    <p:sldId id="259" r:id="rId6"/>
+    <p:sldId id="262" r:id="rId6"/>
+    <p:sldId id="259" r:id="rId7"/>
+    <p:sldId id="261" r:id="rId8"/>
   </p:sldIdLst>
   <p:sldSz cx="12192000" cy="6858000"/>
   <p:notesSz cx="6858000" cy="9144000"/>
@@ -108,15 +110,28 @@
       </a:defRPr>
     </a:lvl9pPr>
   </p:defaultTextStyle>
+  <p:extLst>
+    <p:ext uri="{EFAFB233-063F-42B5-8137-9DF3F51BA10A}">
+      <p15:sldGuideLst xmlns:p15="http://schemas.microsoft.com/office/powerpoint/2012/main"/>
+    </p:ext>
+  </p:extLst>
 </p:presentation>
+</file>
+
+<file path=ppt/revisionInfo.xml><?xml version="1.0" encoding="utf-8"?>
+<p1510:revInfo xmlns:a="http://schemas.openxmlformats.org/drawingml/2006/main" xmlns:r="http://schemas.openxmlformats.org/officeDocument/2006/relationships" xmlns:p1510="http://schemas.microsoft.com/office/powerpoint/2015/10/main">
+  <p1510:revLst>
+    <p1510:client id="{31014EB3-6430-41FD-AE6C-90D28B336299}" v="6" dt="2024-04-25T23:01:38.616"/>
+  </p1510:revLst>
+</p1510:revInfo>
 </file>
 
 <file path=ppt/changesInfos/changesInfo1.xml><?xml version="1.0" encoding="utf-8"?>
 <pc:chgInfo xmlns:a="http://schemas.openxmlformats.org/drawingml/2006/main" xmlns:r="http://schemas.openxmlformats.org/officeDocument/2006/relationships" xmlns:ac="http://schemas.microsoft.com/office/drawing/2013/main/command" xmlns:pc="http://schemas.microsoft.com/office/powerpoint/2013/main/command">
   <pc:docChgLst>
     <pc:chgData name="Denton Aingworth" userId="e23d21c3fc90c60f" providerId="LiveId" clId="{31014EB3-6430-41FD-AE6C-90D28B336299}"/>
-    <pc:docChg chg="custSel modSld">
-      <pc:chgData name="Denton Aingworth" userId="e23d21c3fc90c60f" providerId="LiveId" clId="{31014EB3-6430-41FD-AE6C-90D28B336299}" dt="2024-04-19T17:12:48.761" v="194" actId="20577"/>
+    <pc:docChg chg="undo custSel addSld modSld">
+      <pc:chgData name="Denton Aingworth" userId="e23d21c3fc90c60f" providerId="LiveId" clId="{31014EB3-6430-41FD-AE6C-90D28B336299}" dt="2024-04-25T23:02:03.326" v="389" actId="1076"/>
       <pc:docMkLst>
         <pc:docMk/>
       </pc:docMkLst>
@@ -136,13 +151,13 @@
         </pc:spChg>
       </pc:sldChg>
       <pc:sldChg chg="modSp mod">
-        <pc:chgData name="Denton Aingworth" userId="e23d21c3fc90c60f" providerId="LiveId" clId="{31014EB3-6430-41FD-AE6C-90D28B336299}" dt="2024-04-19T17:12:48.761" v="194" actId="20577"/>
+        <pc:chgData name="Denton Aingworth" userId="e23d21c3fc90c60f" providerId="LiveId" clId="{31014EB3-6430-41FD-AE6C-90D28B336299}" dt="2024-04-19T20:06:47.878" v="217" actId="20577"/>
         <pc:sldMkLst>
           <pc:docMk/>
           <pc:sldMk cId="4279789679" sldId="258"/>
         </pc:sldMkLst>
         <pc:spChg chg="mod">
-          <ac:chgData name="Denton Aingworth" userId="e23d21c3fc90c60f" providerId="LiveId" clId="{31014EB3-6430-41FD-AE6C-90D28B336299}" dt="2024-04-19T17:12:48.761" v="194" actId="20577"/>
+          <ac:chgData name="Denton Aingworth" userId="e23d21c3fc90c60f" providerId="LiveId" clId="{31014EB3-6430-41FD-AE6C-90D28B336299}" dt="2024-04-19T20:06:47.878" v="217" actId="20577"/>
           <ac:spMkLst>
             <pc:docMk/>
             <pc:sldMk cId="4279789679" sldId="258"/>
@@ -150,8 +165,8 @@
           </ac:spMkLst>
         </pc:spChg>
       </pc:sldChg>
-      <pc:sldChg chg="modSp mod">
-        <pc:chgData name="Denton Aingworth" userId="e23d21c3fc90c60f" providerId="LiveId" clId="{31014EB3-6430-41FD-AE6C-90D28B336299}" dt="2024-04-19T16:51:17.524" v="21" actId="20577"/>
+      <pc:sldChg chg="addSp delSp modSp mod">
+        <pc:chgData name="Denton Aingworth" userId="e23d21c3fc90c60f" providerId="LiveId" clId="{31014EB3-6430-41FD-AE6C-90D28B336299}" dt="2024-04-19T19:52:33.074" v="201" actId="14100"/>
         <pc:sldMkLst>
           <pc:docMk/>
           <pc:sldMk cId="2246905356" sldId="260"/>
@@ -164,6 +179,92 @@
             <ac:spMk id="4" creationId="{36CD297B-B8D0-7D5E-CA4F-7A3255BA4DCF}"/>
           </ac:spMkLst>
         </pc:spChg>
+        <pc:picChg chg="add del mod">
+          <ac:chgData name="Denton Aingworth" userId="e23d21c3fc90c60f" providerId="LiveId" clId="{31014EB3-6430-41FD-AE6C-90D28B336299}" dt="2024-04-19T19:52:31.453" v="199" actId="478"/>
+          <ac:picMkLst>
+            <pc:docMk/>
+            <pc:sldMk cId="2246905356" sldId="260"/>
+            <ac:picMk id="5" creationId="{F97CF502-69E2-CAB3-BEBE-B1E9368C79F4}"/>
+          </ac:picMkLst>
+        </pc:picChg>
+        <pc:picChg chg="mod">
+          <ac:chgData name="Denton Aingworth" userId="e23d21c3fc90c60f" providerId="LiveId" clId="{31014EB3-6430-41FD-AE6C-90D28B336299}" dt="2024-04-19T19:52:33.074" v="201" actId="14100"/>
+          <ac:picMkLst>
+            <pc:docMk/>
+            <pc:sldMk cId="2246905356" sldId="260"/>
+            <ac:picMk id="6" creationId="{622A2BB6-E190-3E63-11DC-065E63DBE319}"/>
+          </ac:picMkLst>
+        </pc:picChg>
+      </pc:sldChg>
+      <pc:sldChg chg="modSp new mod">
+        <pc:chgData name="Denton Aingworth" userId="e23d21c3fc90c60f" providerId="LiveId" clId="{31014EB3-6430-41FD-AE6C-90D28B336299}" dt="2024-04-19T20:09:56.236" v="349" actId="20577"/>
+        <pc:sldMkLst>
+          <pc:docMk/>
+          <pc:sldMk cId="2197259027" sldId="261"/>
+        </pc:sldMkLst>
+        <pc:spChg chg="mod">
+          <ac:chgData name="Denton Aingworth" userId="e23d21c3fc90c60f" providerId="LiveId" clId="{31014EB3-6430-41FD-AE6C-90D28B336299}" dt="2024-04-19T20:09:15.170" v="230" actId="20577"/>
+          <ac:spMkLst>
+            <pc:docMk/>
+            <pc:sldMk cId="2197259027" sldId="261"/>
+            <ac:spMk id="2" creationId="{60667068-A6A0-4435-8650-3985FE1E8189}"/>
+          </ac:spMkLst>
+        </pc:spChg>
+        <pc:spChg chg="mod">
+          <ac:chgData name="Denton Aingworth" userId="e23d21c3fc90c60f" providerId="LiveId" clId="{31014EB3-6430-41FD-AE6C-90D28B336299}" dt="2024-04-19T20:09:56.236" v="349" actId="20577"/>
+          <ac:spMkLst>
+            <pc:docMk/>
+            <pc:sldMk cId="2197259027" sldId="261"/>
+            <ac:spMk id="3" creationId="{48BB56AE-004E-D77E-6C02-18F2C866F2CB}"/>
+          </ac:spMkLst>
+        </pc:spChg>
+      </pc:sldChg>
+      <pc:sldChg chg="addSp modSp new mod">
+        <pc:chgData name="Denton Aingworth" userId="e23d21c3fc90c60f" providerId="LiveId" clId="{31014EB3-6430-41FD-AE6C-90D28B336299}" dt="2024-04-25T23:02:03.326" v="389" actId="1076"/>
+        <pc:sldMkLst>
+          <pc:docMk/>
+          <pc:sldMk cId="1737844982" sldId="262"/>
+        </pc:sldMkLst>
+        <pc:graphicFrameChg chg="add mod modGraphic">
+          <ac:chgData name="Denton Aingworth" userId="e23d21c3fc90c60f" providerId="LiveId" clId="{31014EB3-6430-41FD-AE6C-90D28B336299}" dt="2024-04-25T22:59:45.705" v="372" actId="20577"/>
+          <ac:graphicFrameMkLst>
+            <pc:docMk/>
+            <pc:sldMk cId="1737844982" sldId="262"/>
+            <ac:graphicFrameMk id="2" creationId="{0F0B7F8F-6AF4-D416-3CAA-BFDF231296F9}"/>
+          </ac:graphicFrameMkLst>
+        </pc:graphicFrameChg>
+        <pc:picChg chg="add mod">
+          <ac:chgData name="Denton Aingworth" userId="e23d21c3fc90c60f" providerId="LiveId" clId="{31014EB3-6430-41FD-AE6C-90D28B336299}" dt="2024-04-25T22:59:33.788" v="359" actId="1076"/>
+          <ac:picMkLst>
+            <pc:docMk/>
+            <pc:sldMk cId="1737844982" sldId="262"/>
+            <ac:picMk id="4" creationId="{756985AE-F1BC-3E74-8282-4B93FCB6872A}"/>
+          </ac:picMkLst>
+        </pc:picChg>
+        <pc:picChg chg="add mod">
+          <ac:chgData name="Denton Aingworth" userId="e23d21c3fc90c60f" providerId="LiveId" clId="{31014EB3-6430-41FD-AE6C-90D28B336299}" dt="2024-04-25T23:00:12.038" v="376" actId="1076"/>
+          <ac:picMkLst>
+            <pc:docMk/>
+            <pc:sldMk cId="1737844982" sldId="262"/>
+            <ac:picMk id="5" creationId="{12409C3F-91F2-F418-33E9-D5849A634820}"/>
+          </ac:picMkLst>
+        </pc:picChg>
+        <pc:picChg chg="add mod">
+          <ac:chgData name="Denton Aingworth" userId="e23d21c3fc90c60f" providerId="LiveId" clId="{31014EB3-6430-41FD-AE6C-90D28B336299}" dt="2024-04-25T23:01:28.471" v="382" actId="1076"/>
+          <ac:picMkLst>
+            <pc:docMk/>
+            <pc:sldMk cId="1737844982" sldId="262"/>
+            <ac:picMk id="7" creationId="{C097F8BC-690A-922A-0DF4-681785A3BBB7}"/>
+          </ac:picMkLst>
+        </pc:picChg>
+        <pc:picChg chg="add mod">
+          <ac:chgData name="Denton Aingworth" userId="e23d21c3fc90c60f" providerId="LiveId" clId="{31014EB3-6430-41FD-AE6C-90D28B336299}" dt="2024-04-25T23:02:03.326" v="389" actId="1076"/>
+          <ac:picMkLst>
+            <pc:docMk/>
+            <pc:sldMk cId="1737844982" sldId="262"/>
+            <ac:picMk id="9" creationId="{27FAA0D9-1636-9F4A-2C02-410D638E0B64}"/>
+          </ac:picMkLst>
+        </pc:picChg>
       </pc:sldChg>
     </pc:docChg>
   </pc:docChgLst>
@@ -317,7 +418,7 @@
           <a:p>
             <a:fld id="{976C2B78-1E26-471B-B5DC-A09E1E095FA3}" type="datetimeFigureOut">
               <a:rPr lang="en-US" smtClean="0"/>
-              <a:t>4/19/2024</a:t>
+              <a:t>4/25/2024</a:t>
             </a:fld>
             <a:endParaRPr lang="en-US"/>
           </a:p>
@@ -515,7 +616,7 @@
           <a:p>
             <a:fld id="{976C2B78-1E26-471B-B5DC-A09E1E095FA3}" type="datetimeFigureOut">
               <a:rPr lang="en-US" smtClean="0"/>
-              <a:t>4/19/2024</a:t>
+              <a:t>4/25/2024</a:t>
             </a:fld>
             <a:endParaRPr lang="en-US"/>
           </a:p>
@@ -723,7 +824,7 @@
           <a:p>
             <a:fld id="{976C2B78-1E26-471B-B5DC-A09E1E095FA3}" type="datetimeFigureOut">
               <a:rPr lang="en-US" smtClean="0"/>
-              <a:t>4/19/2024</a:t>
+              <a:t>4/25/2024</a:t>
             </a:fld>
             <a:endParaRPr lang="en-US"/>
           </a:p>
@@ -921,7 +1022,7 @@
           <a:p>
             <a:fld id="{976C2B78-1E26-471B-B5DC-A09E1E095FA3}" type="datetimeFigureOut">
               <a:rPr lang="en-US" smtClean="0"/>
-              <a:t>4/19/2024</a:t>
+              <a:t>4/25/2024</a:t>
             </a:fld>
             <a:endParaRPr lang="en-US"/>
           </a:p>
@@ -1196,7 +1297,7 @@
           <a:p>
             <a:fld id="{976C2B78-1E26-471B-B5DC-A09E1E095FA3}" type="datetimeFigureOut">
               <a:rPr lang="en-US" smtClean="0"/>
-              <a:t>4/19/2024</a:t>
+              <a:t>4/25/2024</a:t>
             </a:fld>
             <a:endParaRPr lang="en-US"/>
           </a:p>
@@ -1461,7 +1562,7 @@
           <a:p>
             <a:fld id="{976C2B78-1E26-471B-B5DC-A09E1E095FA3}" type="datetimeFigureOut">
               <a:rPr lang="en-US" smtClean="0"/>
-              <a:t>4/19/2024</a:t>
+              <a:t>4/25/2024</a:t>
             </a:fld>
             <a:endParaRPr lang="en-US"/>
           </a:p>
@@ -1873,7 +1974,7 @@
           <a:p>
             <a:fld id="{976C2B78-1E26-471B-B5DC-A09E1E095FA3}" type="datetimeFigureOut">
               <a:rPr lang="en-US" smtClean="0"/>
-              <a:t>4/19/2024</a:t>
+              <a:t>4/25/2024</a:t>
             </a:fld>
             <a:endParaRPr lang="en-US"/>
           </a:p>
@@ -2014,7 +2115,7 @@
           <a:p>
             <a:fld id="{976C2B78-1E26-471B-B5DC-A09E1E095FA3}" type="datetimeFigureOut">
               <a:rPr lang="en-US" smtClean="0"/>
-              <a:t>4/19/2024</a:t>
+              <a:t>4/25/2024</a:t>
             </a:fld>
             <a:endParaRPr lang="en-US"/>
           </a:p>
@@ -2127,7 +2228,7 @@
           <a:p>
             <a:fld id="{976C2B78-1E26-471B-B5DC-A09E1E095FA3}" type="datetimeFigureOut">
               <a:rPr lang="en-US" smtClean="0"/>
-              <a:t>4/19/2024</a:t>
+              <a:t>4/25/2024</a:t>
             </a:fld>
             <a:endParaRPr lang="en-US"/>
           </a:p>
@@ -2438,7 +2539,7 @@
           <a:p>
             <a:fld id="{976C2B78-1E26-471B-B5DC-A09E1E095FA3}" type="datetimeFigureOut">
               <a:rPr lang="en-US" smtClean="0"/>
-              <a:t>4/19/2024</a:t>
+              <a:t>4/25/2024</a:t>
             </a:fld>
             <a:endParaRPr lang="en-US"/>
           </a:p>
@@ -2726,7 +2827,7 @@
           <a:p>
             <a:fld id="{976C2B78-1E26-471B-B5DC-A09E1E095FA3}" type="datetimeFigureOut">
               <a:rPr lang="en-US" smtClean="0"/>
-              <a:t>4/19/2024</a:t>
+              <a:t>4/25/2024</a:t>
             </a:fld>
             <a:endParaRPr lang="en-US"/>
           </a:p>
@@ -2967,7 +3068,7 @@
           <a:p>
             <a:fld id="{976C2B78-1E26-471B-B5DC-A09E1E095FA3}" type="datetimeFigureOut">
               <a:rPr lang="en-US" smtClean="0"/>
-              <a:t>4/19/2024</a:t>
+              <a:t>4/25/2024</a:t>
             </a:fld>
             <a:endParaRPr lang="en-US"/>
           </a:p>
@@ -3764,6 +3865,16 @@
               <a:t>Used to analyze images and detect patterns of text within them</a:t>
             </a:r>
           </a:p>
+          <a:p>
+            <a:pPr marL="285750" indent="-285750">
+              <a:buFont typeface="Arial" panose="020B0604020202020204" pitchFamily="34" charset="0"/>
+              <a:buChar char="•"/>
+            </a:pPr>
+            <a:r>
+              <a:rPr lang="en-US" dirty="0"/>
+              <a:t>Used EAST model</a:t>
+            </a:r>
+          </a:p>
         </p:txBody>
       </p:sp>
     </p:spTree>
@@ -3945,6 +4056,259 @@
 </file>
 
 <file path=ppt/slides/slide5.xml><?xml version="1.0" encoding="utf-8"?>
+<p:sld xmlns:a="http://schemas.openxmlformats.org/drawingml/2006/main" xmlns:r="http://schemas.openxmlformats.org/officeDocument/2006/relationships" xmlns:p="http://schemas.openxmlformats.org/presentationml/2006/main">
+  <p:cSld>
+    <p:spTree>
+      <p:nvGrpSpPr>
+        <p:cNvPr id="1" name=""/>
+        <p:cNvGrpSpPr/>
+        <p:nvPr/>
+      </p:nvGrpSpPr>
+      <p:grpSpPr>
+        <a:xfrm>
+          <a:off x="0" y="0"/>
+          <a:ext cx="0" cy="0"/>
+          <a:chOff x="0" y="0"/>
+          <a:chExt cx="0" cy="0"/>
+        </a:xfrm>
+      </p:grpSpPr>
+      <p:graphicFrame>
+        <p:nvGraphicFramePr>
+          <p:cNvPr id="2" name="Table 1">
+            <a:extLst>
+              <a:ext uri="{FF2B5EF4-FFF2-40B4-BE49-F238E27FC236}">
+                <a16:creationId xmlns:a16="http://schemas.microsoft.com/office/drawing/2014/main" id="{0F0B7F8F-6AF4-D416-3CAA-BFDF231296F9}"/>
+              </a:ext>
+            </a:extLst>
+          </p:cNvPr>
+          <p:cNvGraphicFramePr>
+            <a:graphicFrameLocks noGrp="1"/>
+          </p:cNvGraphicFramePr>
+          <p:nvPr>
+            <p:extLst>
+              <p:ext uri="{D42A27DB-BD31-4B8C-83A1-F6EECF244321}">
+                <p14:modId xmlns:p14="http://schemas.microsoft.com/office/powerpoint/2010/main" val="3028865682"/>
+              </p:ext>
+            </p:extLst>
+          </p:nvPr>
+        </p:nvGraphicFramePr>
+        <p:xfrm>
+          <a:off x="0" y="0"/>
+          <a:ext cx="12192000" cy="370840"/>
+        </p:xfrm>
+        <a:graphic>
+          <a:graphicData uri="http://schemas.openxmlformats.org/drawingml/2006/table">
+            <a:tbl>
+              <a:tblPr firstRow="1" bandRow="1">
+                <a:tableStyleId>{5C22544A-7EE6-4342-B048-85BDC9FD1C3A}</a:tableStyleId>
+              </a:tblPr>
+              <a:tblGrid>
+                <a:gridCol w="6096000">
+                  <a:extLst>
+                    <a:ext uri="{9D8B030D-6E8A-4147-A177-3AD203B41FA5}">
+                      <a16:colId xmlns:a16="http://schemas.microsoft.com/office/drawing/2014/main" val="3329689472"/>
+                    </a:ext>
+                  </a:extLst>
+                </a:gridCol>
+                <a:gridCol w="6096000">
+                  <a:extLst>
+                    <a:ext uri="{9D8B030D-6E8A-4147-A177-3AD203B41FA5}">
+                      <a16:colId xmlns:a16="http://schemas.microsoft.com/office/drawing/2014/main" val="3711628722"/>
+                    </a:ext>
+                  </a:extLst>
+                </a:gridCol>
+              </a:tblGrid>
+              <a:tr h="370840">
+                <a:tc>
+                  <a:txBody>
+                    <a:bodyPr/>
+                    <a:lstStyle/>
+                    <a:p>
+                      <a:pPr algn="ctr"/>
+                      <a:r>
+                        <a:rPr lang="en-US" dirty="0"/>
+                        <a:t>BEFORE</a:t>
+                      </a:r>
+                    </a:p>
+                  </a:txBody>
+                  <a:tcPr/>
+                </a:tc>
+                <a:tc>
+                  <a:txBody>
+                    <a:bodyPr/>
+                    <a:lstStyle/>
+                    <a:p>
+                      <a:pPr algn="ctr"/>
+                      <a:r>
+                        <a:rPr lang="en-US" dirty="0"/>
+                        <a:t>AFTER</a:t>
+                      </a:r>
+                    </a:p>
+                  </a:txBody>
+                  <a:tcPr/>
+                </a:tc>
+                <a:extLst>
+                  <a:ext uri="{0D108BD9-81ED-4DB2-BD59-A6C34878D82A}">
+                    <a16:rowId xmlns:a16="http://schemas.microsoft.com/office/drawing/2014/main" val="768598561"/>
+                  </a:ext>
+                </a:extLst>
+              </a:tr>
+            </a:tbl>
+          </a:graphicData>
+        </a:graphic>
+      </p:graphicFrame>
+      <p:pic>
+        <p:nvPicPr>
+          <p:cNvPr id="4" name="Picture 3" descr="A screenshot of a cartoon&#10;&#10;Description automatically generated">
+            <a:extLst>
+              <a:ext uri="{FF2B5EF4-FFF2-40B4-BE49-F238E27FC236}">
+                <a16:creationId xmlns:a16="http://schemas.microsoft.com/office/drawing/2014/main" id="{756985AE-F1BC-3E74-8282-4B93FCB6872A}"/>
+              </a:ext>
+            </a:extLst>
+          </p:cNvPr>
+          <p:cNvPicPr>
+            <a:picLocks noChangeAspect="1"/>
+          </p:cNvPicPr>
+          <p:nvPr/>
+        </p:nvPicPr>
+        <p:blipFill>
+          <a:blip r:embed="rId2">
+            <a:extLst>
+              <a:ext uri="{28A0092B-C50C-407E-A947-70E740481C1C}">
+                <a14:useLocalDpi xmlns:a14="http://schemas.microsoft.com/office/drawing/2010/main" val="0"/>
+              </a:ext>
+            </a:extLst>
+          </a:blip>
+          <a:stretch>
+            <a:fillRect/>
+          </a:stretch>
+        </p:blipFill>
+        <p:spPr>
+          <a:xfrm>
+            <a:off x="6783050" y="3996932"/>
+            <a:ext cx="4794354" cy="2177349"/>
+          </a:xfrm>
+          <a:prstGeom prst="rect">
+            <a:avLst/>
+          </a:prstGeom>
+        </p:spPr>
+      </p:pic>
+      <p:pic>
+        <p:nvPicPr>
+          <p:cNvPr id="5" name="Picture 4">
+            <a:extLst>
+              <a:ext uri="{FF2B5EF4-FFF2-40B4-BE49-F238E27FC236}">
+                <a16:creationId xmlns:a16="http://schemas.microsoft.com/office/drawing/2014/main" id="{12409C3F-91F2-F418-33E9-D5849A634820}"/>
+              </a:ext>
+            </a:extLst>
+          </p:cNvPr>
+          <p:cNvPicPr>
+            <a:picLocks noChangeAspect="1"/>
+          </p:cNvPicPr>
+          <p:nvPr/>
+        </p:nvPicPr>
+        <p:blipFill>
+          <a:blip r:embed="rId3"/>
+          <a:stretch>
+            <a:fillRect/>
+          </a:stretch>
+        </p:blipFill>
+        <p:spPr>
+          <a:xfrm>
+            <a:off x="7516907" y="818076"/>
+            <a:ext cx="3210251" cy="2731619"/>
+          </a:xfrm>
+          <a:prstGeom prst="rect">
+            <a:avLst/>
+          </a:prstGeom>
+        </p:spPr>
+      </p:pic>
+      <p:pic>
+        <p:nvPicPr>
+          <p:cNvPr id="7" name="Picture 6" descr="Cartoon cat and dog looking at each other&#10;&#10;Description automatically generated">
+            <a:extLst>
+              <a:ext uri="{FF2B5EF4-FFF2-40B4-BE49-F238E27FC236}">
+                <a16:creationId xmlns:a16="http://schemas.microsoft.com/office/drawing/2014/main" id="{C097F8BC-690A-922A-0DF4-681785A3BBB7}"/>
+              </a:ext>
+            </a:extLst>
+          </p:cNvPr>
+          <p:cNvPicPr>
+            <a:picLocks noChangeAspect="1"/>
+          </p:cNvPicPr>
+          <p:nvPr/>
+        </p:nvPicPr>
+        <p:blipFill>
+          <a:blip r:embed="rId4">
+            <a:extLst>
+              <a:ext uri="{28A0092B-C50C-407E-A947-70E740481C1C}">
+                <a14:useLocalDpi xmlns:a14="http://schemas.microsoft.com/office/drawing/2010/main" val="0"/>
+              </a:ext>
+            </a:extLst>
+          </a:blip>
+          <a:stretch>
+            <a:fillRect/>
+          </a:stretch>
+        </p:blipFill>
+        <p:spPr>
+          <a:xfrm>
+            <a:off x="195544" y="4292838"/>
+            <a:ext cx="5213407" cy="1562378"/>
+          </a:xfrm>
+          <a:prstGeom prst="rect">
+            <a:avLst/>
+          </a:prstGeom>
+        </p:spPr>
+      </p:pic>
+      <p:pic>
+        <p:nvPicPr>
+          <p:cNvPr id="9" name="Picture 8" descr="Cars parked in front of a restaurant&#10;&#10;Description automatically generated">
+            <a:extLst>
+              <a:ext uri="{FF2B5EF4-FFF2-40B4-BE49-F238E27FC236}">
+                <a16:creationId xmlns:a16="http://schemas.microsoft.com/office/drawing/2014/main" id="{27FAA0D9-1636-9F4A-2C02-410D638E0B64}"/>
+              </a:ext>
+            </a:extLst>
+          </p:cNvPr>
+          <p:cNvPicPr>
+            <a:picLocks noChangeAspect="1"/>
+          </p:cNvPicPr>
+          <p:nvPr/>
+        </p:nvPicPr>
+        <p:blipFill>
+          <a:blip r:embed="rId5">
+            <a:extLst>
+              <a:ext uri="{28A0092B-C50C-407E-A947-70E740481C1C}">
+                <a14:useLocalDpi xmlns:a14="http://schemas.microsoft.com/office/drawing/2010/main" val="0"/>
+              </a:ext>
+            </a:extLst>
+          </a:blip>
+          <a:stretch>
+            <a:fillRect/>
+          </a:stretch>
+        </p:blipFill>
+        <p:spPr>
+          <a:xfrm>
+            <a:off x="1001411" y="893027"/>
+            <a:ext cx="3673683" cy="2751923"/>
+          </a:xfrm>
+          <a:prstGeom prst="rect">
+            <a:avLst/>
+          </a:prstGeom>
+        </p:spPr>
+      </p:pic>
+    </p:spTree>
+    <p:extLst>
+      <p:ext uri="{BB962C8B-B14F-4D97-AF65-F5344CB8AC3E}">
+        <p14:creationId xmlns:p14="http://schemas.microsoft.com/office/powerpoint/2010/main" val="1737844982"/>
+      </p:ext>
+    </p:extLst>
+  </p:cSld>
+  <p:clrMapOvr>
+    <a:masterClrMapping/>
+  </p:clrMapOvr>
+</p:sld>
+</file>
+
+<file path=ppt/slides/slide6.xml><?xml version="1.0" encoding="utf-8"?>
 <p:sld xmlns:a="http://schemas.openxmlformats.org/drawingml/2006/main" xmlns:r="http://schemas.openxmlformats.org/officeDocument/2006/relationships" xmlns:p="http://schemas.openxmlformats.org/presentationml/2006/main">
   <p:cSld>
     <p:bg>
@@ -4697,6 +5061,108 @@
     <p:extLst>
       <p:ext uri="{BB962C8B-B14F-4D97-AF65-F5344CB8AC3E}">
         <p14:creationId xmlns:p14="http://schemas.microsoft.com/office/powerpoint/2010/main" val="4050621219"/>
+      </p:ext>
+    </p:extLst>
+  </p:cSld>
+  <p:clrMapOvr>
+    <a:masterClrMapping/>
+  </p:clrMapOvr>
+</p:sld>
+</file>
+
+<file path=ppt/slides/slide7.xml><?xml version="1.0" encoding="utf-8"?>
+<p:sld xmlns:a="http://schemas.openxmlformats.org/drawingml/2006/main" xmlns:r="http://schemas.openxmlformats.org/officeDocument/2006/relationships" xmlns:p="http://schemas.openxmlformats.org/presentationml/2006/main">
+  <p:cSld>
+    <p:spTree>
+      <p:nvGrpSpPr>
+        <p:cNvPr id="1" name=""/>
+        <p:cNvGrpSpPr/>
+        <p:nvPr/>
+      </p:nvGrpSpPr>
+      <p:grpSpPr>
+        <a:xfrm>
+          <a:off x="0" y="0"/>
+          <a:ext cx="0" cy="0"/>
+          <a:chOff x="0" y="0"/>
+          <a:chExt cx="0" cy="0"/>
+        </a:xfrm>
+      </p:grpSpPr>
+      <p:sp>
+        <p:nvSpPr>
+          <p:cNvPr id="2" name="Title 1">
+            <a:extLst>
+              <a:ext uri="{FF2B5EF4-FFF2-40B4-BE49-F238E27FC236}">
+                <a16:creationId xmlns:a16="http://schemas.microsoft.com/office/drawing/2014/main" id="{60667068-A6A0-4435-8650-3985FE1E8189}"/>
+              </a:ext>
+            </a:extLst>
+          </p:cNvPr>
+          <p:cNvSpPr>
+            <a:spLocks noGrp="1"/>
+          </p:cNvSpPr>
+          <p:nvPr>
+            <p:ph type="title"/>
+          </p:nvPr>
+        </p:nvSpPr>
+        <p:spPr/>
+        <p:txBody>
+          <a:bodyPr/>
+          <a:lstStyle/>
+          <a:p>
+            <a:r>
+              <a:rPr lang="en-US" dirty="0"/>
+              <a:t>Next Steps</a:t>
+            </a:r>
+          </a:p>
+        </p:txBody>
+      </p:sp>
+      <p:sp>
+        <p:nvSpPr>
+          <p:cNvPr id="3" name="Content Placeholder 2">
+            <a:extLst>
+              <a:ext uri="{FF2B5EF4-FFF2-40B4-BE49-F238E27FC236}">
+                <a16:creationId xmlns:a16="http://schemas.microsoft.com/office/drawing/2014/main" id="{48BB56AE-004E-D77E-6C02-18F2C866F2CB}"/>
+              </a:ext>
+            </a:extLst>
+          </p:cNvPr>
+          <p:cNvSpPr>
+            <a:spLocks noGrp="1"/>
+          </p:cNvSpPr>
+          <p:nvPr>
+            <p:ph idx="1"/>
+          </p:nvPr>
+        </p:nvSpPr>
+        <p:spPr/>
+        <p:txBody>
+          <a:bodyPr/>
+          <a:lstStyle/>
+          <a:p>
+            <a:r>
+              <a:rPr lang="en-US" dirty="0"/>
+              <a:t>Change code to C++</a:t>
+            </a:r>
+          </a:p>
+          <a:p>
+            <a:r>
+              <a:rPr lang="en-US" dirty="0"/>
+              <a:t>Make compatible with Windows Command Prompt</a:t>
+            </a:r>
+          </a:p>
+          <a:p>
+            <a:r>
+              <a:rPr lang="en-US" dirty="0"/>
+              <a:t>Make README </a:t>
+            </a:r>
+            <a:r>
+              <a:rPr lang="en-US"/>
+              <a:t>more intricate</a:t>
+            </a:r>
+          </a:p>
+        </p:txBody>
+      </p:sp>
+    </p:spTree>
+    <p:extLst>
+      <p:ext uri="{BB962C8B-B14F-4D97-AF65-F5344CB8AC3E}">
+        <p14:creationId xmlns:p14="http://schemas.microsoft.com/office/powerpoint/2010/main" val="2197259027"/>
       </p:ext>
     </p:extLst>
   </p:cSld>
